--- a/transactions/PostgreSQL transactions - Julije Kostov 1026.pptx
+++ b/transactions/PostgreSQL transactions - Julije Kostov 1026.pptx
@@ -219,7 +219,7 @@
           <a:p>
             <a:fld id="{DF57D25D-A75C-4F60-9B7F-79CC6EA1931C}" type="datetimeFigureOut">
               <a:rPr lang="sr-Latn-RS" smtClean="0"/>
-              <a:t>17.5.2020.</a:t>
+              <a:t>19.5.2020.</a:t>
             </a:fld>
             <a:endParaRPr lang="sr-Latn-RS"/>
           </a:p>
@@ -1886,7 +1886,7 @@
           <a:p>
             <a:fld id="{2B80962D-E3C0-4797-84A5-97D08803F837}" type="datetimeFigureOut">
               <a:rPr lang="sr-Latn-RS" smtClean="0"/>
-              <a:t>17.5.2020.</a:t>
+              <a:t>19.5.2020.</a:t>
             </a:fld>
             <a:endParaRPr lang="sr-Latn-RS"/>
           </a:p>
@@ -2137,7 +2137,7 @@
           <a:p>
             <a:fld id="{2B80962D-E3C0-4797-84A5-97D08803F837}" type="datetimeFigureOut">
               <a:rPr lang="sr-Latn-RS" smtClean="0"/>
-              <a:t>17.5.2020.</a:t>
+              <a:t>19.5.2020.</a:t>
             </a:fld>
             <a:endParaRPr lang="sr-Latn-RS"/>
           </a:p>
@@ -2451,7 +2451,7 @@
           <a:p>
             <a:fld id="{2B80962D-E3C0-4797-84A5-97D08803F837}" type="datetimeFigureOut">
               <a:rPr lang="sr-Latn-RS" smtClean="0"/>
-              <a:t>17.5.2020.</a:t>
+              <a:t>19.5.2020.</a:t>
             </a:fld>
             <a:endParaRPr lang="sr-Latn-RS"/>
           </a:p>
@@ -2792,7 +2792,7 @@
           <a:p>
             <a:fld id="{2B80962D-E3C0-4797-84A5-97D08803F837}" type="datetimeFigureOut">
               <a:rPr lang="sr-Latn-RS" smtClean="0"/>
-              <a:t>17.5.2020.</a:t>
+              <a:t>19.5.2020.</a:t>
             </a:fld>
             <a:endParaRPr lang="sr-Latn-RS"/>
           </a:p>
@@ -3106,7 +3106,7 @@
           <a:p>
             <a:fld id="{2B80962D-E3C0-4797-84A5-97D08803F837}" type="datetimeFigureOut">
               <a:rPr lang="sr-Latn-RS" smtClean="0"/>
-              <a:t>17.5.2020.</a:t>
+              <a:t>19.5.2020.</a:t>
             </a:fld>
             <a:endParaRPr lang="sr-Latn-RS"/>
           </a:p>
@@ -3499,7 +3499,7 @@
           <a:p>
             <a:fld id="{2B80962D-E3C0-4797-84A5-97D08803F837}" type="datetimeFigureOut">
               <a:rPr lang="sr-Latn-RS" smtClean="0"/>
-              <a:t>17.5.2020.</a:t>
+              <a:t>19.5.2020.</a:t>
             </a:fld>
             <a:endParaRPr lang="sr-Latn-RS"/>
           </a:p>
@@ -3669,7 +3669,7 @@
           <a:p>
             <a:fld id="{2B80962D-E3C0-4797-84A5-97D08803F837}" type="datetimeFigureOut">
               <a:rPr lang="sr-Latn-RS" smtClean="0"/>
-              <a:t>17.5.2020.</a:t>
+              <a:t>19.5.2020.</a:t>
             </a:fld>
             <a:endParaRPr lang="sr-Latn-RS"/>
           </a:p>
@@ -3849,7 +3849,7 @@
           <a:p>
             <a:fld id="{2B80962D-E3C0-4797-84A5-97D08803F837}" type="datetimeFigureOut">
               <a:rPr lang="sr-Latn-RS" smtClean="0"/>
-              <a:t>17.5.2020.</a:t>
+              <a:t>19.5.2020.</a:t>
             </a:fld>
             <a:endParaRPr lang="sr-Latn-RS"/>
           </a:p>
@@ -4025,7 +4025,7 @@
           <a:p>
             <a:fld id="{2B80962D-E3C0-4797-84A5-97D08803F837}" type="datetimeFigureOut">
               <a:rPr lang="sr-Latn-RS" smtClean="0"/>
-              <a:t>17.5.2020.</a:t>
+              <a:t>19.5.2020.</a:t>
             </a:fld>
             <a:endParaRPr lang="sr-Latn-RS"/>
           </a:p>
@@ -4272,7 +4272,7 @@
           <a:p>
             <a:fld id="{2B80962D-E3C0-4797-84A5-97D08803F837}" type="datetimeFigureOut">
               <a:rPr lang="sr-Latn-RS" smtClean="0"/>
-              <a:t>17.5.2020.</a:t>
+              <a:t>19.5.2020.</a:t>
             </a:fld>
             <a:endParaRPr lang="sr-Latn-RS"/>
           </a:p>
@@ -4504,7 +4504,7 @@
           <a:p>
             <a:fld id="{2B80962D-E3C0-4797-84A5-97D08803F837}" type="datetimeFigureOut">
               <a:rPr lang="sr-Latn-RS" smtClean="0"/>
-              <a:t>17.5.2020.</a:t>
+              <a:t>19.5.2020.</a:t>
             </a:fld>
             <a:endParaRPr lang="sr-Latn-RS"/>
           </a:p>
@@ -4878,7 +4878,7 @@
           <a:p>
             <a:fld id="{2B80962D-E3C0-4797-84A5-97D08803F837}" type="datetimeFigureOut">
               <a:rPr lang="sr-Latn-RS" smtClean="0"/>
-              <a:t>17.5.2020.</a:t>
+              <a:t>19.5.2020.</a:t>
             </a:fld>
             <a:endParaRPr lang="sr-Latn-RS"/>
           </a:p>
@@ -5001,7 +5001,7 @@
           <a:p>
             <a:fld id="{2B80962D-E3C0-4797-84A5-97D08803F837}" type="datetimeFigureOut">
               <a:rPr lang="sr-Latn-RS" smtClean="0"/>
-              <a:t>17.5.2020.</a:t>
+              <a:t>19.5.2020.</a:t>
             </a:fld>
             <a:endParaRPr lang="sr-Latn-RS"/>
           </a:p>
@@ -5096,7 +5096,7 @@
           <a:p>
             <a:fld id="{2B80962D-E3C0-4797-84A5-97D08803F837}" type="datetimeFigureOut">
               <a:rPr lang="sr-Latn-RS" smtClean="0"/>
-              <a:t>17.5.2020.</a:t>
+              <a:t>19.5.2020.</a:t>
             </a:fld>
             <a:endParaRPr lang="sr-Latn-RS"/>
           </a:p>
@@ -5351,7 +5351,7 @@
           <a:p>
             <a:fld id="{2B80962D-E3C0-4797-84A5-97D08803F837}" type="datetimeFigureOut">
               <a:rPr lang="sr-Latn-RS" smtClean="0"/>
-              <a:t>17.5.2020.</a:t>
+              <a:t>19.5.2020.</a:t>
             </a:fld>
             <a:endParaRPr lang="sr-Latn-RS"/>
           </a:p>
@@ -5614,7 +5614,7 @@
           <a:p>
             <a:fld id="{2B80962D-E3C0-4797-84A5-97D08803F837}" type="datetimeFigureOut">
               <a:rPr lang="sr-Latn-RS" smtClean="0"/>
-              <a:t>17.5.2020.</a:t>
+              <a:t>19.5.2020.</a:t>
             </a:fld>
             <a:endParaRPr lang="sr-Latn-RS"/>
           </a:p>
@@ -6357,7 +6357,7 @@
           <a:p>
             <a:fld id="{2B80962D-E3C0-4797-84A5-97D08803F837}" type="datetimeFigureOut">
               <a:rPr lang="sr-Latn-RS" smtClean="0"/>
-              <a:t>17.5.2020.</a:t>
+              <a:t>19.5.2020.</a:t>
             </a:fld>
             <a:endParaRPr lang="sr-Latn-RS"/>
           </a:p>
@@ -7242,7 +7242,7 @@
         </p:nvGraphicFramePr>
         <p:xfrm>
           <a:off x="1935288" y="5403272"/>
-          <a:ext cx="6080760" cy="984250"/>
+          <a:ext cx="6080760" cy="1051560"/>
         </p:xfrm>
         <a:graphic>
           <a:graphicData uri="http://schemas.openxmlformats.org/drawingml/2006/table">
@@ -7806,11 +7806,23 @@
             </a:r>
             <a:r>
               <a:rPr lang="sr-Latn-RS" dirty="0" err="1" smtClean="0"/>
-              <a:t>ekplicitno</a:t>
+              <a:t>ek</a:t>
+            </a:r>
+            <a:r>
+              <a:rPr lang="en-US" dirty="0" smtClean="0"/>
+              <a:t>s</a:t>
+            </a:r>
+            <a:r>
+              <a:rPr lang="sr-Latn-RS" dirty="0" err="1" smtClean="0"/>
+              <a:t>plicitno</a:t>
             </a:r>
             <a:r>
               <a:rPr lang="sr-Latn-RS" dirty="0" smtClean="0"/>
-              <a:t> zaključavanje:</a:t>
+              <a:t> </a:t>
+            </a:r>
+            <a:r>
+              <a:rPr lang="sr-Latn-RS" dirty="0" smtClean="0"/>
+              <a:t>zaključavanje:</a:t>
             </a:r>
           </a:p>
           <a:p>
@@ -10876,7 +10888,7 @@
         </p:nvGraphicFramePr>
         <p:xfrm>
           <a:off x="1934970" y="3473556"/>
-          <a:ext cx="6081395" cy="1812036"/>
+          <a:ext cx="6081395" cy="1892808"/>
         </p:xfrm>
         <a:graphic>
           <a:graphicData uri="http://schemas.openxmlformats.org/drawingml/2006/table">
@@ -11945,11 +11957,23 @@
             </a:r>
             <a:r>
               <a:rPr lang="sr-Latn-RS" dirty="0" err="1" smtClean="0"/>
-              <a:t>ekspilcitno</a:t>
+              <a:t>ekspl</a:t>
+            </a:r>
+            <a:r>
+              <a:rPr lang="en-US" dirty="0" err="1" smtClean="0"/>
+              <a:t>i</a:t>
+            </a:r>
+            <a:r>
+              <a:rPr lang="sr-Latn-RS" dirty="0" err="1" smtClean="0"/>
+              <a:t>citno</a:t>
             </a:r>
             <a:r>
               <a:rPr lang="sr-Latn-RS" dirty="0" smtClean="0"/>
-              <a:t> već ih sam Postgres koristi</a:t>
+              <a:t> </a:t>
+            </a:r>
+            <a:r>
+              <a:rPr lang="sr-Latn-RS" dirty="0" smtClean="0"/>
+              <a:t>već ih sam Postgres koristi</a:t>
             </a:r>
             <a:endParaRPr lang="sr-Latn-RS" dirty="0"/>
           </a:p>
@@ -13010,12 +13034,12 @@
               <a:t>Vraćanje transakcije odbacuje promene i ne </a:t>
             </a:r>
             <a:r>
-              <a:rPr lang="sr-Latn-RS" dirty="0" err="1" smtClean="0"/>
-              <a:t>menjaa</a:t>
-            </a:r>
-            <a:r>
               <a:rPr lang="sr-Latn-RS" dirty="0" smtClean="0"/>
-              <a:t> bazu</a:t>
+              <a:t>menja </a:t>
+            </a:r>
+            <a:r>
+              <a:rPr lang="sr-Latn-RS" dirty="0" smtClean="0"/>
+              <a:t>bazu</a:t>
             </a:r>
           </a:p>
         </p:txBody>
@@ -13703,7 +13727,7 @@
         </p:nvGraphicFramePr>
         <p:xfrm>
           <a:off x="1935288" y="4673223"/>
-          <a:ext cx="6080760" cy="1825498"/>
+          <a:ext cx="6080760" cy="1892808"/>
         </p:xfrm>
         <a:graphic>
           <a:graphicData uri="http://schemas.openxmlformats.org/drawingml/2006/table">
